--- a/测试2021/04 测试流程/02 系统测试+验收测试.pptx
+++ b/测试2021/04 测试流程/02 系统测试+验收测试.pptx
@@ -6,19 +6,20 @@
   </p:sldMasterIdLst>
   <p:sldIdLst>
     <p:sldId id="256" r:id="rId3"/>
-    <p:sldId id="257" r:id="rId4"/>
-    <p:sldId id="258" r:id="rId5"/>
-    <p:sldId id="259" r:id="rId6"/>
-    <p:sldId id="260" r:id="rId7"/>
-    <p:sldId id="261" r:id="rId8"/>
-    <p:sldId id="262" r:id="rId9"/>
-    <p:sldId id="263" r:id="rId10"/>
-    <p:sldId id="264" r:id="rId11"/>
-    <p:sldId id="265" r:id="rId12"/>
-    <p:sldId id="266" r:id="rId13"/>
-    <p:sldId id="267" r:id="rId14"/>
-    <p:sldId id="268" r:id="rId15"/>
-    <p:sldId id="269" r:id="rId16"/>
+    <p:sldId id="270" r:id="rId4"/>
+    <p:sldId id="257" r:id="rId5"/>
+    <p:sldId id="258" r:id="rId6"/>
+    <p:sldId id="259" r:id="rId7"/>
+    <p:sldId id="260" r:id="rId8"/>
+    <p:sldId id="261" r:id="rId9"/>
+    <p:sldId id="262" r:id="rId10"/>
+    <p:sldId id="263" r:id="rId11"/>
+    <p:sldId id="264" r:id="rId12"/>
+    <p:sldId id="265" r:id="rId13"/>
+    <p:sldId id="266" r:id="rId14"/>
+    <p:sldId id="267" r:id="rId15"/>
+    <p:sldId id="268" r:id="rId16"/>
+    <p:sldId id="269" r:id="rId17"/>
   </p:sldIdLst>
   <p:sldSz cx="12192000" cy="6858000"/>
   <p:notesSz cx="6858000" cy="9144000"/>
@@ -2929,7 +2930,7 @@
       <p:grpSpPr/>
       <p:pic>
         <p:nvPicPr>
-          <p:cNvPr id="5" name="图片 4" descr="$HKZ51W1WOCX%20Z[5T41A3"/>
+          <p:cNvPr id="2" name="图片 1"/>
           <p:cNvPicPr>
             <a:picLocks noChangeAspect="1"/>
           </p:cNvPicPr>
@@ -2943,8 +2944,8 @@
         </p:blipFill>
         <p:spPr>
           <a:xfrm>
-            <a:off x="1473835" y="121920"/>
-            <a:ext cx="9244330" cy="6614795"/>
+            <a:off x="2152650" y="866775"/>
+            <a:ext cx="7886700" cy="5124450"/>
           </a:xfrm>
           <a:prstGeom prst="rect">
             <a:avLst/>
@@ -2960,6 +2961,48 @@
 </file>
 
 <file path=ppt/slides/slide10.xml><?xml version="1.0" encoding="utf-8"?>
+<p:sld xmlns:a="http://schemas.openxmlformats.org/drawingml/2006/main" xmlns:r="http://schemas.openxmlformats.org/officeDocument/2006/relationships" xmlns:p="http://schemas.openxmlformats.org/presentationml/2006/main">
+  <p:cSld>
+    <p:spTree>
+      <p:nvGrpSpPr>
+        <p:cNvPr id="1" name=""/>
+        <p:cNvGrpSpPr/>
+        <p:nvPr/>
+      </p:nvGrpSpPr>
+      <p:grpSpPr/>
+      <p:pic>
+        <p:nvPicPr>
+          <p:cNvPr id="4" name="图片 3" descr="U~5VD6BYD$~HC41WC@H(RVO"/>
+          <p:cNvPicPr>
+            <a:picLocks noChangeAspect="1"/>
+          </p:cNvPicPr>
+          <p:nvPr/>
+        </p:nvPicPr>
+        <p:blipFill>
+          <a:blip r:embed="rId1"/>
+          <a:stretch>
+            <a:fillRect/>
+          </a:stretch>
+        </p:blipFill>
+        <p:spPr>
+          <a:xfrm>
+            <a:off x="1348105" y="38100"/>
+            <a:ext cx="9415780" cy="6762750"/>
+          </a:xfrm>
+          <a:prstGeom prst="rect">
+            <a:avLst/>
+          </a:prstGeom>
+        </p:spPr>
+      </p:pic>
+    </p:spTree>
+  </p:cSld>
+  <p:clrMapOvr>
+    <a:masterClrMapping/>
+  </p:clrMapOvr>
+</p:sld>
+</file>
+
+<file path=ppt/slides/slide11.xml><?xml version="1.0" encoding="utf-8"?>
 <p:sld xmlns:a="http://schemas.openxmlformats.org/drawingml/2006/main" xmlns:r="http://schemas.openxmlformats.org/officeDocument/2006/relationships" xmlns:p="http://schemas.openxmlformats.org/presentationml/2006/main">
   <p:cSld>
     <p:spTree>
@@ -3001,7 +3044,7 @@
 </p:sld>
 </file>
 
-<file path=ppt/slides/slide11.xml><?xml version="1.0" encoding="utf-8"?>
+<file path=ppt/slides/slide12.xml><?xml version="1.0" encoding="utf-8"?>
 <p:sld xmlns:a="http://schemas.openxmlformats.org/drawingml/2006/main" xmlns:r="http://schemas.openxmlformats.org/officeDocument/2006/relationships" xmlns:p="http://schemas.openxmlformats.org/presentationml/2006/main">
   <p:cSld>
     <p:spTree>
@@ -3029,72 +3072,6 @@
           <a:xfrm>
             <a:off x="1550670" y="134620"/>
             <a:ext cx="9212580" cy="6598285"/>
-          </a:xfrm>
-          <a:prstGeom prst="rect">
-            <a:avLst/>
-          </a:prstGeom>
-        </p:spPr>
-      </p:pic>
-    </p:spTree>
-  </p:cSld>
-  <p:clrMapOvr>
-    <a:masterClrMapping/>
-  </p:clrMapOvr>
-</p:sld>
-</file>
-
-<file path=ppt/slides/slide12.xml><?xml version="1.0" encoding="utf-8"?>
-<p:sld xmlns:a="http://schemas.openxmlformats.org/drawingml/2006/main" xmlns:r="http://schemas.openxmlformats.org/officeDocument/2006/relationships" xmlns:p="http://schemas.openxmlformats.org/presentationml/2006/main">
-  <p:cSld>
-    <p:spTree>
-      <p:nvGrpSpPr>
-        <p:cNvPr id="1" name=""/>
-        <p:cNvGrpSpPr/>
-        <p:nvPr/>
-      </p:nvGrpSpPr>
-      <p:grpSpPr/>
-      <p:pic>
-        <p:nvPicPr>
-          <p:cNvPr id="4" name="图片 3" descr="ZK5H{O5)EBC(M%ENKLE7N%2"/>
-          <p:cNvPicPr>
-            <a:picLocks noChangeAspect="1"/>
-          </p:cNvPicPr>
-          <p:nvPr/>
-        </p:nvPicPr>
-        <p:blipFill>
-          <a:blip r:embed="rId1"/>
-          <a:stretch>
-            <a:fillRect/>
-          </a:stretch>
-        </p:blipFill>
-        <p:spPr>
-          <a:xfrm>
-            <a:off x="2957195" y="1190625"/>
-            <a:ext cx="6276975" cy="4476750"/>
-          </a:xfrm>
-          <a:prstGeom prst="rect">
-            <a:avLst/>
-          </a:prstGeom>
-        </p:spPr>
-      </p:pic>
-      <p:pic>
-        <p:nvPicPr>
-          <p:cNvPr id="3" name="图片 2" descr="L4(@N6(A59J(U9MH~RK~26K"/>
-          <p:cNvPicPr>
-            <a:picLocks noChangeAspect="1"/>
-          </p:cNvPicPr>
-          <p:nvPr/>
-        </p:nvPicPr>
-        <p:blipFill>
-          <a:blip r:embed="rId2"/>
-          <a:stretch>
-            <a:fillRect/>
-          </a:stretch>
-        </p:blipFill>
-        <p:spPr>
-          <a:xfrm>
-            <a:off x="1770380" y="331470"/>
-            <a:ext cx="8944610" cy="6406515"/>
           </a:xfrm>
           <a:prstGeom prst="rect">
             <a:avLst/>
@@ -3145,6 +3122,72 @@
       </p:pic>
       <p:pic>
         <p:nvPicPr>
+          <p:cNvPr id="3" name="图片 2" descr="L4(@N6(A59J(U9MH~RK~26K"/>
+          <p:cNvPicPr>
+            <a:picLocks noChangeAspect="1"/>
+          </p:cNvPicPr>
+          <p:nvPr/>
+        </p:nvPicPr>
+        <p:blipFill>
+          <a:blip r:embed="rId2"/>
+          <a:stretch>
+            <a:fillRect/>
+          </a:stretch>
+        </p:blipFill>
+        <p:spPr>
+          <a:xfrm>
+            <a:off x="1770380" y="331470"/>
+            <a:ext cx="8944610" cy="6406515"/>
+          </a:xfrm>
+          <a:prstGeom prst="rect">
+            <a:avLst/>
+          </a:prstGeom>
+        </p:spPr>
+      </p:pic>
+    </p:spTree>
+  </p:cSld>
+  <p:clrMapOvr>
+    <a:masterClrMapping/>
+  </p:clrMapOvr>
+</p:sld>
+</file>
+
+<file path=ppt/slides/slide14.xml><?xml version="1.0" encoding="utf-8"?>
+<p:sld xmlns:a="http://schemas.openxmlformats.org/drawingml/2006/main" xmlns:r="http://schemas.openxmlformats.org/officeDocument/2006/relationships" xmlns:p="http://schemas.openxmlformats.org/presentationml/2006/main">
+  <p:cSld>
+    <p:spTree>
+      <p:nvGrpSpPr>
+        <p:cNvPr id="1" name=""/>
+        <p:cNvGrpSpPr/>
+        <p:nvPr/>
+      </p:nvGrpSpPr>
+      <p:grpSpPr/>
+      <p:pic>
+        <p:nvPicPr>
+          <p:cNvPr id="4" name="图片 3" descr="ZK5H{O5)EBC(M%ENKLE7N%2"/>
+          <p:cNvPicPr>
+            <a:picLocks noChangeAspect="1"/>
+          </p:cNvPicPr>
+          <p:nvPr/>
+        </p:nvPicPr>
+        <p:blipFill>
+          <a:blip r:embed="rId1"/>
+          <a:stretch>
+            <a:fillRect/>
+          </a:stretch>
+        </p:blipFill>
+        <p:spPr>
+          <a:xfrm>
+            <a:off x="2957195" y="1190625"/>
+            <a:ext cx="6276975" cy="4476750"/>
+          </a:xfrm>
+          <a:prstGeom prst="rect">
+            <a:avLst/>
+          </a:prstGeom>
+        </p:spPr>
+      </p:pic>
+      <p:pic>
+        <p:nvPicPr>
           <p:cNvPr id="5" name="图片 4" descr="H9D9$437LN3[JPU(N5S)@QS"/>
           <p:cNvPicPr>
             <a:picLocks noChangeAspect="1"/>
@@ -3175,7 +3218,7 @@
 </p:sld>
 </file>
 
-<file path=ppt/slides/slide14.xml><?xml version="1.0" encoding="utf-8"?>
+<file path=ppt/slides/slide15.xml><?xml version="1.0" encoding="utf-8"?>
 <p:sld xmlns:a="http://schemas.openxmlformats.org/drawingml/2006/main" xmlns:r="http://schemas.openxmlformats.org/officeDocument/2006/relationships" xmlns:p="http://schemas.openxmlformats.org/presentationml/2006/main">
   <p:cSld>
     <p:spTree>
@@ -3229,6 +3272,48 @@
       <p:grpSpPr/>
       <p:pic>
         <p:nvPicPr>
+          <p:cNvPr id="5" name="图片 4" descr="$HKZ51W1WOCX%20Z[5T41A3"/>
+          <p:cNvPicPr>
+            <a:picLocks noChangeAspect="1"/>
+          </p:cNvPicPr>
+          <p:nvPr/>
+        </p:nvPicPr>
+        <p:blipFill>
+          <a:blip r:embed="rId1"/>
+          <a:stretch>
+            <a:fillRect/>
+          </a:stretch>
+        </p:blipFill>
+        <p:spPr>
+          <a:xfrm>
+            <a:off x="1473835" y="121920"/>
+            <a:ext cx="9244330" cy="6614795"/>
+          </a:xfrm>
+          <a:prstGeom prst="rect">
+            <a:avLst/>
+          </a:prstGeom>
+        </p:spPr>
+      </p:pic>
+    </p:spTree>
+  </p:cSld>
+  <p:clrMapOvr>
+    <a:masterClrMapping/>
+  </p:clrMapOvr>
+</p:sld>
+</file>
+
+<file path=ppt/slides/slide3.xml><?xml version="1.0" encoding="utf-8"?>
+<p:sld xmlns:a="http://schemas.openxmlformats.org/drawingml/2006/main" xmlns:r="http://schemas.openxmlformats.org/officeDocument/2006/relationships" xmlns:p="http://schemas.openxmlformats.org/presentationml/2006/main">
+  <p:cSld>
+    <p:spTree>
+      <p:nvGrpSpPr>
+        <p:cNvPr id="1" name=""/>
+        <p:cNvGrpSpPr/>
+        <p:nvPr/>
+      </p:nvGrpSpPr>
+      <p:grpSpPr/>
+      <p:pic>
+        <p:nvPicPr>
           <p:cNvPr id="3" name="图片 2" descr="~9[IJCUR{B7IZ]NH(67@@_W"/>
           <p:cNvPicPr>
             <a:picLocks noChangeAspect="1"/>
@@ -3259,7 +3344,7 @@
 </p:sld>
 </file>
 
-<file path=ppt/slides/slide3.xml><?xml version="1.0" encoding="utf-8"?>
+<file path=ppt/slides/slide4.xml><?xml version="1.0" encoding="utf-8"?>
 <p:sld xmlns:a="http://schemas.openxmlformats.org/drawingml/2006/main" xmlns:r="http://schemas.openxmlformats.org/officeDocument/2006/relationships" xmlns:p="http://schemas.openxmlformats.org/presentationml/2006/main">
   <p:cSld>
     <p:spTree>
@@ -3301,7 +3386,7 @@
 </p:sld>
 </file>
 
-<file path=ppt/slides/slide4.xml><?xml version="1.0" encoding="utf-8"?>
+<file path=ppt/slides/slide5.xml><?xml version="1.0" encoding="utf-8"?>
 <p:sld xmlns:a="http://schemas.openxmlformats.org/drawingml/2006/main" xmlns:r="http://schemas.openxmlformats.org/officeDocument/2006/relationships" xmlns:p="http://schemas.openxmlformats.org/presentationml/2006/main">
   <p:cSld>
     <p:spTree>
@@ -3343,7 +3428,7 @@
 </p:sld>
 </file>
 
-<file path=ppt/slides/slide5.xml><?xml version="1.0" encoding="utf-8"?>
+<file path=ppt/slides/slide6.xml><?xml version="1.0" encoding="utf-8"?>
 <p:sld xmlns:a="http://schemas.openxmlformats.org/drawingml/2006/main" xmlns:r="http://schemas.openxmlformats.org/officeDocument/2006/relationships" xmlns:p="http://schemas.openxmlformats.org/presentationml/2006/main">
   <p:cSld>
     <p:spTree>
@@ -3385,7 +3470,7 @@
 </p:sld>
 </file>
 
-<file path=ppt/slides/slide6.xml><?xml version="1.0" encoding="utf-8"?>
+<file path=ppt/slides/slide7.xml><?xml version="1.0" encoding="utf-8"?>
 <p:sld xmlns:a="http://schemas.openxmlformats.org/drawingml/2006/main" xmlns:r="http://schemas.openxmlformats.org/officeDocument/2006/relationships" xmlns:p="http://schemas.openxmlformats.org/presentationml/2006/main">
   <p:cSld>
     <p:spTree>
@@ -3427,7 +3512,7 @@
 </p:sld>
 </file>
 
-<file path=ppt/slides/slide7.xml><?xml version="1.0" encoding="utf-8"?>
+<file path=ppt/slides/slide8.xml><?xml version="1.0" encoding="utf-8"?>
 <p:sld xmlns:a="http://schemas.openxmlformats.org/drawingml/2006/main" xmlns:r="http://schemas.openxmlformats.org/officeDocument/2006/relationships" xmlns:p="http://schemas.openxmlformats.org/presentationml/2006/main">
   <p:cSld>
     <p:spTree>
@@ -3469,7 +3554,7 @@
 </p:sld>
 </file>
 
-<file path=ppt/slides/slide8.xml><?xml version="1.0" encoding="utf-8"?>
+<file path=ppt/slides/slide9.xml><?xml version="1.0" encoding="utf-8"?>
 <p:sld xmlns:a="http://schemas.openxmlformats.org/drawingml/2006/main" xmlns:r="http://schemas.openxmlformats.org/officeDocument/2006/relationships" xmlns:p="http://schemas.openxmlformats.org/presentationml/2006/main">
   <p:cSld>
     <p:spTree>
@@ -3497,48 +3582,6 @@
           <a:xfrm>
             <a:off x="1661795" y="180340"/>
             <a:ext cx="9351645" cy="6677660"/>
-          </a:xfrm>
-          <a:prstGeom prst="rect">
-            <a:avLst/>
-          </a:prstGeom>
-        </p:spPr>
-      </p:pic>
-    </p:spTree>
-  </p:cSld>
-  <p:clrMapOvr>
-    <a:masterClrMapping/>
-  </p:clrMapOvr>
-</p:sld>
-</file>
-
-<file path=ppt/slides/slide9.xml><?xml version="1.0" encoding="utf-8"?>
-<p:sld xmlns:a="http://schemas.openxmlformats.org/drawingml/2006/main" xmlns:r="http://schemas.openxmlformats.org/officeDocument/2006/relationships" xmlns:p="http://schemas.openxmlformats.org/presentationml/2006/main">
-  <p:cSld>
-    <p:spTree>
-      <p:nvGrpSpPr>
-        <p:cNvPr id="1" name=""/>
-        <p:cNvGrpSpPr/>
-        <p:nvPr/>
-      </p:nvGrpSpPr>
-      <p:grpSpPr/>
-      <p:pic>
-        <p:nvPicPr>
-          <p:cNvPr id="4" name="图片 3" descr="U~5VD6BYD$~HC41WC@H(RVO"/>
-          <p:cNvPicPr>
-            <a:picLocks noChangeAspect="1"/>
-          </p:cNvPicPr>
-          <p:nvPr/>
-        </p:nvPicPr>
-        <p:blipFill>
-          <a:blip r:embed="rId1"/>
-          <a:stretch>
-            <a:fillRect/>
-          </a:stretch>
-        </p:blipFill>
-        <p:spPr>
-          <a:xfrm>
-            <a:off x="1348105" y="38100"/>
-            <a:ext cx="9415780" cy="6762750"/>
           </a:xfrm>
           <a:prstGeom prst="rect">
             <a:avLst/>
